--- a/前段工程化工具.pptx
+++ b/前段工程化工具.pptx
@@ -7,14 +7,15 @@
   <p:sldIdLst>
     <p:sldId id="256" r:id="rId2"/>
     <p:sldId id="263" r:id="rId3"/>
-    <p:sldId id="257" r:id="rId4"/>
-    <p:sldId id="260" r:id="rId5"/>
-    <p:sldId id="258" r:id="rId6"/>
-    <p:sldId id="259" r:id="rId7"/>
-    <p:sldId id="264" r:id="rId8"/>
-    <p:sldId id="261" r:id="rId9"/>
-    <p:sldId id="265" r:id="rId10"/>
-    <p:sldId id="266" r:id="rId11"/>
+    <p:sldId id="267" r:id="rId4"/>
+    <p:sldId id="257" r:id="rId5"/>
+    <p:sldId id="260" r:id="rId6"/>
+    <p:sldId id="258" r:id="rId7"/>
+    <p:sldId id="259" r:id="rId8"/>
+    <p:sldId id="264" r:id="rId9"/>
+    <p:sldId id="261" r:id="rId10"/>
+    <p:sldId id="265" r:id="rId11"/>
+    <p:sldId id="266" r:id="rId12"/>
   </p:sldIdLst>
   <p:sldSz cx="12192000" cy="6858000"/>
   <p:notesSz cx="6858000" cy="9144000"/>
@@ -113,6 +114,11 @@
       </a:defRPr>
     </a:lvl9pPr>
   </p:defaultTextStyle>
+  <p:extLst>
+    <p:ext uri="{EFAFB233-063F-42B5-8137-9DF3F51BA10A}">
+      <p15:sldGuideLst xmlns:p15="http://schemas.microsoft.com/office/powerpoint/2012/main"/>
+    </p:ext>
+  </p:extLst>
 </p:presentation>
 </file>
 
@@ -3083,6 +3089,108 @@
           <a:bodyPr/>
           <a:lstStyle/>
           <a:p>
+            <a:endParaRPr lang="zh-CN" altLang="en-US" dirty="0"/>
+          </a:p>
+        </p:txBody>
+      </p:sp>
+      <p:pic>
+        <p:nvPicPr>
+          <p:cNvPr id="4" name="内容占位符 3"/>
+          <p:cNvPicPr>
+            <a:picLocks noChangeAspect="1"/>
+          </p:cNvPicPr>
+          <p:nvPr/>
+        </p:nvPicPr>
+        <p:blipFill>
+          <a:blip r:embed="rId2" cstate="print">
+            <a:extLst>
+              <a:ext uri="{28A0092B-C50C-407E-A947-70E740481C1C}">
+                <a14:useLocalDpi xmlns:a14="http://schemas.microsoft.com/office/drawing/2010/main" val="0"/>
+              </a:ext>
+            </a:extLst>
+          </a:blip>
+          <a:stretch>
+            <a:fillRect/>
+          </a:stretch>
+        </p:blipFill>
+        <p:spPr>
+          <a:xfrm>
+            <a:off x="8554915" y="365125"/>
+            <a:ext cx="2648390" cy="1103496"/>
+          </a:xfrm>
+          <a:prstGeom prst="rect">
+            <a:avLst/>
+          </a:prstGeom>
+        </p:spPr>
+      </p:pic>
+    </p:spTree>
+    <p:extLst>
+      <p:ext uri="{BB962C8B-B14F-4D97-AF65-F5344CB8AC3E}">
+        <p14:creationId xmlns:p14="http://schemas.microsoft.com/office/powerpoint/2010/main" val="2168828826"/>
+      </p:ext>
+    </p:extLst>
+  </p:cSld>
+  <p:clrMapOvr>
+    <a:masterClrMapping/>
+  </p:clrMapOvr>
+</p:sld>
+</file>
+
+<file path=ppt/slides/slide11.xml><?xml version="1.0" encoding="utf-8"?>
+<p:sld xmlns:a="http://schemas.openxmlformats.org/drawingml/2006/main" xmlns:r="http://schemas.openxmlformats.org/officeDocument/2006/relationships" xmlns:p="http://schemas.openxmlformats.org/presentationml/2006/main">
+  <p:cSld>
+    <p:spTree>
+      <p:nvGrpSpPr>
+        <p:cNvPr id="1" name=""/>
+        <p:cNvGrpSpPr/>
+        <p:nvPr/>
+      </p:nvGrpSpPr>
+      <p:grpSpPr>
+        <a:xfrm>
+          <a:off x="0" y="0"/>
+          <a:ext cx="0" cy="0"/>
+          <a:chOff x="0" y="0"/>
+          <a:chExt cx="0" cy="0"/>
+        </a:xfrm>
+      </p:grpSpPr>
+      <p:sp>
+        <p:nvSpPr>
+          <p:cNvPr id="2" name="标题 1"/>
+          <p:cNvSpPr>
+            <a:spLocks noGrp="1"/>
+          </p:cNvSpPr>
+          <p:nvPr>
+            <p:ph type="title"/>
+          </p:nvPr>
+        </p:nvSpPr>
+        <p:spPr/>
+        <p:txBody>
+          <a:bodyPr/>
+          <a:lstStyle/>
+          <a:p>
+            <a:r>
+              <a:rPr lang="en-US" altLang="zh-CN" dirty="0" smtClean="0"/>
+              <a:t>prettier</a:t>
+            </a:r>
+            <a:endParaRPr lang="zh-CN" altLang="en-US" dirty="0"/>
+          </a:p>
+        </p:txBody>
+      </p:sp>
+      <p:sp>
+        <p:nvSpPr>
+          <p:cNvPr id="3" name="内容占位符 2"/>
+          <p:cNvSpPr>
+            <a:spLocks noGrp="1"/>
+          </p:cNvSpPr>
+          <p:nvPr>
+            <p:ph idx="1"/>
+          </p:nvPr>
+        </p:nvSpPr>
+        <p:spPr/>
+        <p:txBody>
+          <a:bodyPr/>
+          <a:lstStyle/>
+          <a:p>
             <a:r>
               <a:rPr lang="en-US" altLang="zh-CN" dirty="0" err="1"/>
               <a:t>eslint</a:t>
@@ -3210,14 +3318,9 @@
           </a:p>
           <a:p>
             <a:r>
-              <a:rPr lang="en-US" altLang="zh-CN" dirty="0" smtClean="0"/>
-              <a:t>https://www.jianshu.com/p/3e8941eda2dd</a:t>
-            </a:r>
-          </a:p>
-          <a:p>
-            <a:pPr marL="0" indent="0">
-              <a:buNone/>
-            </a:pPr>
+              <a:rPr lang="zh-CN" altLang="en-US" dirty="0"/>
+              <a:t>实现前端工程化的目的简单来说就是通过流程规范、自动化工具来提升前端的开发效率、性能、质量、多人协作能力以及开发体验。</a:t>
+            </a:r>
             <a:endParaRPr lang="en-US" altLang="zh-CN" dirty="0"/>
           </a:p>
           <a:p>
@@ -3250,8 +3353,8 @@
         </p:blipFill>
         <p:spPr>
           <a:xfrm>
-            <a:off x="964224" y="3121269"/>
-            <a:ext cx="6927800" cy="2632564"/>
+            <a:off x="2951286" y="4001294"/>
+            <a:ext cx="5703750" cy="2167425"/>
           </a:xfrm>
           <a:prstGeom prst="rect">
             <a:avLst/>
@@ -3272,6 +3375,128 @@
 </file>
 
 <file path=ppt/slides/slide3.xml><?xml version="1.0" encoding="utf-8"?>
+<p:sld xmlns:a="http://schemas.openxmlformats.org/drawingml/2006/main" xmlns:r="http://schemas.openxmlformats.org/officeDocument/2006/relationships" xmlns:p="http://schemas.openxmlformats.org/presentationml/2006/main">
+  <p:cSld>
+    <p:spTree>
+      <p:nvGrpSpPr>
+        <p:cNvPr id="1" name=""/>
+        <p:cNvGrpSpPr/>
+        <p:nvPr/>
+      </p:nvGrpSpPr>
+      <p:grpSpPr>
+        <a:xfrm>
+          <a:off x="0" y="0"/>
+          <a:ext cx="0" cy="0"/>
+          <a:chOff x="0" y="0"/>
+          <a:chExt cx="0" cy="0"/>
+        </a:xfrm>
+      </p:grpSpPr>
+      <p:sp>
+        <p:nvSpPr>
+          <p:cNvPr id="2" name="标题 1"/>
+          <p:cNvSpPr>
+            <a:spLocks noGrp="1"/>
+          </p:cNvSpPr>
+          <p:nvPr>
+            <p:ph type="title"/>
+          </p:nvPr>
+        </p:nvSpPr>
+        <p:spPr/>
+        <p:txBody>
+          <a:bodyPr/>
+          <a:lstStyle/>
+          <a:p>
+            <a:r>
+              <a:rPr lang="zh-CN" altLang="en-US" dirty="0" smtClean="0"/>
+              <a:t>前端工具</a:t>
+            </a:r>
+            <a:endParaRPr lang="zh-CN" altLang="en-US" dirty="0"/>
+          </a:p>
+        </p:txBody>
+      </p:sp>
+      <p:sp>
+        <p:nvSpPr>
+          <p:cNvPr id="3" name="内容占位符 2"/>
+          <p:cNvSpPr>
+            <a:spLocks noGrp="1"/>
+          </p:cNvSpPr>
+          <p:nvPr>
+            <p:ph idx="1"/>
+          </p:nvPr>
+        </p:nvSpPr>
+        <p:spPr/>
+        <p:txBody>
+          <a:bodyPr/>
+          <a:lstStyle/>
+          <a:p>
+            <a:r>
+              <a:rPr lang="en-US" altLang="zh-CN" dirty="0" smtClean="0"/>
+              <a:t>Puppeteer</a:t>
+            </a:r>
+          </a:p>
+          <a:p>
+            <a:pPr marL="0" indent="0">
+              <a:buNone/>
+            </a:pPr>
+            <a:endParaRPr lang="en-US" altLang="zh-CN" dirty="0"/>
+          </a:p>
+          <a:p>
+            <a:r>
+              <a:rPr lang="en-US" altLang="zh-CN" dirty="0" smtClean="0"/>
+              <a:t>Husky</a:t>
+            </a:r>
+          </a:p>
+          <a:p>
+            <a:pPr marL="0" indent="0">
+              <a:buNone/>
+            </a:pPr>
+            <a:endParaRPr lang="en-US" altLang="zh-CN" dirty="0"/>
+          </a:p>
+          <a:p>
+            <a:r>
+              <a:rPr lang="en-US" altLang="zh-CN" dirty="0" err="1" smtClean="0"/>
+              <a:t>Eslint</a:t>
+            </a:r>
+            <a:endParaRPr lang="en-US" altLang="zh-CN" dirty="0" smtClean="0"/>
+          </a:p>
+          <a:p>
+            <a:pPr marL="0" indent="0">
+              <a:buNone/>
+            </a:pPr>
+            <a:endParaRPr lang="en-US" altLang="zh-CN" dirty="0"/>
+          </a:p>
+          <a:p>
+            <a:r>
+              <a:rPr lang="en-US" altLang="zh-CN" dirty="0" smtClean="0"/>
+              <a:t>Prettier</a:t>
+            </a:r>
+          </a:p>
+          <a:p>
+            <a:pPr marL="0" indent="0">
+              <a:buNone/>
+            </a:pPr>
+            <a:r>
+              <a:rPr lang="en-US" altLang="zh-CN" dirty="0"/>
+              <a:t>https://www.jianshu.com/p/d38e7e3b80cb</a:t>
+            </a:r>
+            <a:endParaRPr lang="zh-CN" altLang="en-US" dirty="0"/>
+          </a:p>
+        </p:txBody>
+      </p:sp>
+    </p:spTree>
+    <p:extLst>
+      <p:ext uri="{BB962C8B-B14F-4D97-AF65-F5344CB8AC3E}">
+        <p14:creationId xmlns:p14="http://schemas.microsoft.com/office/powerpoint/2010/main" val="1816079884"/>
+      </p:ext>
+    </p:extLst>
+  </p:cSld>
+  <p:clrMapOvr>
+    <a:masterClrMapping/>
+  </p:clrMapOvr>
+</p:sld>
+</file>
+
+<file path=ppt/slides/slide4.xml><?xml version="1.0" encoding="utf-8"?>
 <p:sld xmlns:a="http://schemas.openxmlformats.org/drawingml/2006/main" xmlns:r="http://schemas.openxmlformats.org/officeDocument/2006/relationships" xmlns:p="http://schemas.openxmlformats.org/presentationml/2006/main">
   <p:cSld>
     <p:spTree>
@@ -3575,207 +3800,6 @@
 </p:sld>
 </file>
 
-<file path=ppt/slides/slide4.xml><?xml version="1.0" encoding="utf-8"?>
-<p:sld xmlns:a="http://schemas.openxmlformats.org/drawingml/2006/main" xmlns:r="http://schemas.openxmlformats.org/officeDocument/2006/relationships" xmlns:p="http://schemas.openxmlformats.org/presentationml/2006/main">
-  <p:cSld>
-    <p:spTree>
-      <p:nvGrpSpPr>
-        <p:cNvPr id="1" name=""/>
-        <p:cNvGrpSpPr/>
-        <p:nvPr/>
-      </p:nvGrpSpPr>
-      <p:grpSpPr>
-        <a:xfrm>
-          <a:off x="0" y="0"/>
-          <a:ext cx="0" cy="0"/>
-          <a:chOff x="0" y="0"/>
-          <a:chExt cx="0" cy="0"/>
-        </a:xfrm>
-      </p:grpSpPr>
-      <p:sp>
-        <p:nvSpPr>
-          <p:cNvPr id="2" name="标题 1"/>
-          <p:cNvSpPr>
-            <a:spLocks noGrp="1"/>
-          </p:cNvSpPr>
-          <p:nvPr>
-            <p:ph type="title"/>
-          </p:nvPr>
-        </p:nvSpPr>
-        <p:spPr/>
-        <p:txBody>
-          <a:bodyPr/>
-          <a:lstStyle/>
-          <a:p>
-            <a:r>
-              <a:rPr lang="en-US" altLang="zh-CN" dirty="0" smtClean="0"/>
-              <a:t>Puppeteer</a:t>
-            </a:r>
-            <a:endParaRPr lang="zh-CN" altLang="en-US" dirty="0"/>
-          </a:p>
-        </p:txBody>
-      </p:sp>
-      <p:sp>
-        <p:nvSpPr>
-          <p:cNvPr id="3" name="内容占位符 2"/>
-          <p:cNvSpPr>
-            <a:spLocks noGrp="1"/>
-          </p:cNvSpPr>
-          <p:nvPr>
-            <p:ph idx="1"/>
-          </p:nvPr>
-        </p:nvSpPr>
-        <p:spPr/>
-        <p:txBody>
-          <a:bodyPr>
-            <a:normAutofit lnSpcReduction="10000"/>
-          </a:bodyPr>
-          <a:lstStyle/>
-          <a:p>
-            <a:pPr marL="0" indent="0" fontAlgn="base">
-              <a:buNone/>
-            </a:pPr>
-            <a:r>
-              <a:rPr lang="en-US" altLang="zh-CN" dirty="0" smtClean="0"/>
-              <a:t>Puppeteer</a:t>
-            </a:r>
-            <a:r>
-              <a:rPr lang="zh-CN" altLang="en-US" dirty="0" smtClean="0"/>
-              <a:t>的功能</a:t>
-            </a:r>
-            <a:endParaRPr lang="en-US" altLang="zh-CN" dirty="0" smtClean="0"/>
-          </a:p>
-          <a:p>
-            <a:pPr marL="0" indent="0" fontAlgn="base">
-              <a:buNone/>
-            </a:pPr>
-            <a:endParaRPr lang="en-US" altLang="zh-CN" dirty="0" smtClean="0"/>
-          </a:p>
-          <a:p>
-            <a:r>
-              <a:rPr lang="zh-CN" altLang="en-US" dirty="0"/>
-              <a:t>生成页面 </a:t>
-            </a:r>
-            <a:r>
-              <a:rPr lang="en-US" altLang="zh-CN" dirty="0"/>
-              <a:t>PDF</a:t>
-            </a:r>
-            <a:r>
-              <a:rPr lang="zh-CN" altLang="en-US" dirty="0"/>
-              <a:t>。</a:t>
-            </a:r>
-          </a:p>
-          <a:p>
-            <a:r>
-              <a:rPr lang="zh-CN" altLang="en-US" dirty="0"/>
-              <a:t>抓取 </a:t>
-            </a:r>
-            <a:r>
-              <a:rPr lang="en-US" altLang="zh-CN" dirty="0"/>
-              <a:t>SPA</a:t>
-            </a:r>
-            <a:r>
-              <a:rPr lang="zh-CN" altLang="en-US" dirty="0"/>
-              <a:t>（单页应用）并生成预渲染内容（即“</a:t>
-            </a:r>
-            <a:r>
-              <a:rPr lang="en-US" altLang="zh-CN" dirty="0"/>
-              <a:t>SSR</a:t>
-            </a:r>
-            <a:r>
-              <a:rPr lang="en-US" altLang="zh-CN" dirty="0" smtClean="0"/>
-              <a:t>”</a:t>
-            </a:r>
-            <a:r>
-              <a:rPr lang="zh-CN" altLang="en-US" dirty="0" smtClean="0"/>
-              <a:t>服务器</a:t>
-            </a:r>
-            <a:r>
-              <a:rPr lang="zh-CN" altLang="en-US" dirty="0"/>
-              <a:t>端渲染</a:t>
-            </a:r>
-            <a:r>
-              <a:rPr lang="zh-CN" altLang="en-US" dirty="0" smtClean="0"/>
-              <a:t>）</a:t>
-            </a:r>
-            <a:endParaRPr lang="zh-CN" altLang="en-US" dirty="0"/>
-          </a:p>
-          <a:p>
-            <a:r>
-              <a:rPr lang="zh-CN" altLang="en-US" dirty="0"/>
-              <a:t>自动提交表单，进行 </a:t>
-            </a:r>
-            <a:r>
-              <a:rPr lang="en-US" altLang="zh-CN" dirty="0"/>
-              <a:t>UI </a:t>
-            </a:r>
-            <a:r>
-              <a:rPr lang="zh-CN" altLang="en-US" dirty="0"/>
-              <a:t>测试，键盘输入等。</a:t>
-            </a:r>
-          </a:p>
-          <a:p>
-            <a:r>
-              <a:rPr lang="zh-CN" altLang="en-US" dirty="0"/>
-              <a:t>创建一个时时更新的自动化测试环境。 使用最新的 </a:t>
-            </a:r>
-            <a:r>
-              <a:rPr lang="en-US" altLang="zh-CN" dirty="0"/>
-              <a:t>JavaScript </a:t>
-            </a:r>
-            <a:r>
-              <a:rPr lang="zh-CN" altLang="en-US" dirty="0"/>
-              <a:t>和浏览器功能直接在最新版本的</a:t>
-            </a:r>
-            <a:r>
-              <a:rPr lang="en-US" altLang="zh-CN" dirty="0"/>
-              <a:t>Chrome</a:t>
-            </a:r>
-            <a:r>
-              <a:rPr lang="zh-CN" altLang="en-US" dirty="0"/>
-              <a:t>中执行测试。</a:t>
-            </a:r>
-          </a:p>
-          <a:p>
-            <a:r>
-              <a:rPr lang="zh-CN" altLang="en-US" dirty="0"/>
-              <a:t>捕获网站的 </a:t>
-            </a:r>
-            <a:r>
-              <a:rPr lang="en-US" altLang="zh-CN" dirty="0">
-                <a:hlinkClick r:id="rId2"/>
-              </a:rPr>
-              <a:t>timeline trace</a:t>
-            </a:r>
-            <a:r>
-              <a:rPr lang="zh-CN" altLang="en-US" dirty="0"/>
-              <a:t>，用来帮助分析性能问题。</a:t>
-            </a:r>
-          </a:p>
-          <a:p>
-            <a:r>
-              <a:rPr lang="zh-CN" altLang="en-US" dirty="0"/>
-              <a:t>测试浏览器扩展。</a:t>
-            </a:r>
-          </a:p>
-          <a:p>
-            <a:endParaRPr lang="zh-CN" altLang="en-US" dirty="0"/>
-          </a:p>
-        </p:txBody>
-      </p:sp>
-    </p:spTree>
-    <p:extLst>
-      <p:ext uri="{BB962C8B-B14F-4D97-AF65-F5344CB8AC3E}">
-        <p14:creationId xmlns:p14="http://schemas.microsoft.com/office/powerpoint/2010/main" val="1615475490"/>
-      </p:ext>
-    </p:extLst>
-  </p:cSld>
-  <p:clrMapOvr>
-    <a:masterClrMapping/>
-  </p:clrMapOvr>
-</p:sld>
-</file>
-
 <file path=ppt/slides/slide5.xml><?xml version="1.0" encoding="utf-8"?>
 <p:sld xmlns:a="http://schemas.openxmlformats.org/drawingml/2006/main" xmlns:r="http://schemas.openxmlformats.org/officeDocument/2006/relationships" xmlns:p="http://schemas.openxmlformats.org/presentationml/2006/main">
   <p:cSld>
@@ -3828,10 +3852,12 @@
         </p:nvSpPr>
         <p:spPr/>
         <p:txBody>
-          <a:bodyPr/>
-          <a:lstStyle/>
-          <a:p>
-            <a:pPr marL="0" indent="0">
+          <a:bodyPr>
+            <a:normAutofit lnSpcReduction="10000"/>
+          </a:bodyPr>
+          <a:lstStyle/>
+          <a:p>
+            <a:pPr marL="0" indent="0" fontAlgn="base">
               <a:buNone/>
             </a:pPr>
             <a:r>
@@ -3840,111 +3866,122 @@
             </a:r>
             <a:r>
               <a:rPr lang="zh-CN" altLang="en-US" dirty="0" smtClean="0"/>
-              <a:t>的</a:t>
-            </a:r>
-            <a:r>
-              <a:rPr lang="zh-CN" altLang="en-US" dirty="0" smtClean="0"/>
-              <a:t>安装</a:t>
+              <a:t>的功能</a:t>
             </a:r>
             <a:endParaRPr lang="en-US" altLang="zh-CN" dirty="0" smtClean="0"/>
           </a:p>
           <a:p>
-            <a:pPr marL="0" indent="0">
+            <a:pPr marL="0" indent="0" fontAlgn="base">
               <a:buNone/>
             </a:pPr>
             <a:endParaRPr lang="en-US" altLang="zh-CN" dirty="0" smtClean="0"/>
           </a:p>
           <a:p>
             <a:r>
+              <a:rPr lang="zh-CN" altLang="en-US" dirty="0"/>
+              <a:t>生成页面 </a:t>
+            </a:r>
+            <a:r>
+              <a:rPr lang="en-US" altLang="zh-CN" dirty="0"/>
+              <a:t>PDF</a:t>
+            </a:r>
+            <a:r>
+              <a:rPr lang="zh-CN" altLang="en-US" dirty="0"/>
+              <a:t>。</a:t>
+            </a:r>
+          </a:p>
+          <a:p>
+            <a:r>
+              <a:rPr lang="zh-CN" altLang="en-US" dirty="0"/>
+              <a:t>抓取 </a:t>
+            </a:r>
+            <a:r>
+              <a:rPr lang="en-US" altLang="zh-CN" dirty="0"/>
+              <a:t>SPA</a:t>
+            </a:r>
+            <a:r>
+              <a:rPr lang="zh-CN" altLang="en-US" dirty="0"/>
+              <a:t>（单页应用）并生成预渲染内容（即“</a:t>
+            </a:r>
+            <a:r>
+              <a:rPr lang="en-US" altLang="zh-CN" dirty="0"/>
+              <a:t>SSR</a:t>
+            </a:r>
+            <a:r>
+              <a:rPr lang="en-US" altLang="zh-CN" dirty="0" smtClean="0"/>
+              <a:t>”</a:t>
+            </a:r>
+            <a:r>
               <a:rPr lang="zh-CN" altLang="en-US" dirty="0" smtClean="0"/>
-              <a:t>由于封网的原因，直接用</a:t>
-            </a:r>
-            <a:r>
-              <a:rPr lang="en-US" altLang="zh-CN" dirty="0" err="1" smtClean="0"/>
-              <a:t>npm</a:t>
-            </a:r>
-            <a:r>
-              <a:rPr lang="en-US" altLang="zh-CN" dirty="0" smtClean="0"/>
-              <a:t> I puppeteer</a:t>
+              <a:t>服务器</a:t>
+            </a:r>
+            <a:r>
+              <a:rPr lang="zh-CN" altLang="en-US" dirty="0"/>
+              <a:t>端渲染</a:t>
             </a:r>
             <a:r>
               <a:rPr lang="zh-CN" altLang="en-US" dirty="0" smtClean="0"/>
-              <a:t>是不能成功安装的，需要通过</a:t>
-            </a:r>
-            <a:r>
-              <a:rPr lang="en-US" altLang="zh-CN" dirty="0" err="1" smtClean="0"/>
-              <a:t>cnpm</a:t>
-            </a:r>
-            <a:r>
-              <a:rPr lang="zh-CN" altLang="en-US" dirty="0" smtClean="0"/>
-              <a:t>进行安装</a:t>
-            </a:r>
-            <a:endParaRPr lang="en-US" altLang="zh-CN" dirty="0"/>
-          </a:p>
-          <a:p>
-            <a:pPr marL="0" indent="0">
-              <a:buNone/>
-            </a:pPr>
-            <a:endParaRPr lang="en-US" altLang="zh-CN" dirty="0" smtClean="0"/>
-          </a:p>
-          <a:p>
-            <a:r>
-              <a:rPr lang="zh-CN" altLang="en-US" dirty="0" smtClean="0"/>
-              <a:t>安装方式：</a:t>
-            </a:r>
-            <a:endParaRPr lang="en-US" altLang="zh-CN" dirty="0" smtClean="0"/>
-          </a:p>
-          <a:p>
-            <a:pPr marL="0" indent="0">
-              <a:buNone/>
-            </a:pPr>
-            <a:r>
-              <a:rPr lang="en-US" altLang="zh-CN" dirty="0" err="1" smtClean="0"/>
-              <a:t>npm</a:t>
-            </a:r>
-            <a:r>
-              <a:rPr lang="en-US" altLang="zh-CN" dirty="0" smtClean="0"/>
-              <a:t> </a:t>
+              <a:t>）</a:t>
+            </a:r>
+            <a:endParaRPr lang="zh-CN" altLang="en-US" dirty="0"/>
+          </a:p>
+          <a:p>
+            <a:r>
+              <a:rPr lang="zh-CN" altLang="en-US" dirty="0"/>
+              <a:t>自动提交表单，进行 </a:t>
             </a:r>
             <a:r>
               <a:rPr lang="en-US" altLang="zh-CN" dirty="0"/>
-              <a:t>install -g </a:t>
-            </a:r>
-            <a:r>
-              <a:rPr lang="en-US" altLang="zh-CN" dirty="0" err="1"/>
-              <a:t>cnpm</a:t>
+              <a:t>UI </a:t>
+            </a:r>
+            <a:r>
+              <a:rPr lang="zh-CN" altLang="en-US" dirty="0"/>
+              <a:t>测试，键盘输入等。</a:t>
+            </a:r>
+          </a:p>
+          <a:p>
+            <a:r>
+              <a:rPr lang="zh-CN" altLang="en-US" dirty="0"/>
+              <a:t>创建一个时时更新的自动化测试环境。 使用最新的 </a:t>
             </a:r>
             <a:r>
               <a:rPr lang="en-US" altLang="zh-CN" dirty="0"/>
-              <a:t> --registry=https://registry.npm.taobao.org</a:t>
-            </a:r>
-            <a:endParaRPr lang="zh-CN" altLang="zh-CN" dirty="0"/>
-          </a:p>
-          <a:p>
-            <a:pPr marL="0" indent="0">
-              <a:buNone/>
-            </a:pPr>
-            <a:r>
-              <a:rPr lang="en-US" altLang="zh-CN" dirty="0" err="1" smtClean="0"/>
-              <a:t>npm</a:t>
-            </a:r>
-            <a:r>
-              <a:rPr lang="en-US" altLang="zh-CN" dirty="0" smtClean="0"/>
-              <a:t> </a:t>
-            </a:r>
-            <a:r>
-              <a:rPr lang="en-US" altLang="zh-CN" dirty="0" err="1"/>
-              <a:t>i</a:t>
+              <a:t>JavaScript </a:t>
+            </a:r>
+            <a:r>
+              <a:rPr lang="zh-CN" altLang="en-US" dirty="0"/>
+              <a:t>和浏览器功能直接在最新版本的</a:t>
             </a:r>
             <a:r>
               <a:rPr lang="en-US" altLang="zh-CN" dirty="0"/>
-              <a:t> </a:t>
-            </a:r>
-            <a:r>
-              <a:rPr lang="en-US" altLang="zh-CN" dirty="0" smtClean="0"/>
-              <a:t>puppeteer --save</a:t>
-            </a:r>
-            <a:endParaRPr lang="zh-CN" altLang="zh-CN" dirty="0"/>
+              <a:t>Chrome</a:t>
+            </a:r>
+            <a:r>
+              <a:rPr lang="zh-CN" altLang="en-US" dirty="0"/>
+              <a:t>中执行测试。</a:t>
+            </a:r>
+          </a:p>
+          <a:p>
+            <a:r>
+              <a:rPr lang="zh-CN" altLang="en-US" dirty="0"/>
+              <a:t>捕获网站的 </a:t>
+            </a:r>
+            <a:r>
+              <a:rPr lang="en-US" altLang="zh-CN" dirty="0">
+                <a:hlinkClick r:id="rId2"/>
+              </a:rPr>
+              <a:t>timeline trace</a:t>
+            </a:r>
+            <a:r>
+              <a:rPr lang="zh-CN" altLang="en-US" dirty="0"/>
+              <a:t>，用来帮助分析性能问题。</a:t>
+            </a:r>
+          </a:p>
+          <a:p>
+            <a:r>
+              <a:rPr lang="zh-CN" altLang="en-US" dirty="0"/>
+              <a:t>测试浏览器扩展。</a:t>
+            </a:r>
           </a:p>
           <a:p>
             <a:endParaRPr lang="zh-CN" altLang="en-US" dirty="0"/>
@@ -3954,7 +3991,7 @@
     </p:spTree>
     <p:extLst>
       <p:ext uri="{BB962C8B-B14F-4D97-AF65-F5344CB8AC3E}">
-        <p14:creationId xmlns:p14="http://schemas.microsoft.com/office/powerpoint/2010/main" val="1920736459"/>
+        <p14:creationId xmlns:p14="http://schemas.microsoft.com/office/powerpoint/2010/main" val="1615475490"/>
       </p:ext>
     </p:extLst>
   </p:cSld>
@@ -4024,6 +4061,190 @@
             </a:pPr>
             <a:r>
               <a:rPr lang="en-US" altLang="zh-CN" dirty="0" smtClean="0"/>
+              <a:t>Puppeteer</a:t>
+            </a:r>
+            <a:r>
+              <a:rPr lang="zh-CN" altLang="en-US" dirty="0" smtClean="0"/>
+              <a:t>的安装</a:t>
+            </a:r>
+            <a:endParaRPr lang="en-US" altLang="zh-CN" dirty="0" smtClean="0"/>
+          </a:p>
+          <a:p>
+            <a:pPr marL="0" indent="0">
+              <a:buNone/>
+            </a:pPr>
+            <a:endParaRPr lang="en-US" altLang="zh-CN" dirty="0" smtClean="0"/>
+          </a:p>
+          <a:p>
+            <a:r>
+              <a:rPr lang="zh-CN" altLang="en-US" dirty="0" smtClean="0"/>
+              <a:t>由于封网的原因，直接用</a:t>
+            </a:r>
+            <a:r>
+              <a:rPr lang="en-US" altLang="zh-CN" dirty="0" err="1" smtClean="0"/>
+              <a:t>npm</a:t>
+            </a:r>
+            <a:r>
+              <a:rPr lang="en-US" altLang="zh-CN" dirty="0" smtClean="0"/>
+              <a:t> I puppeteer</a:t>
+            </a:r>
+            <a:r>
+              <a:rPr lang="zh-CN" altLang="en-US" dirty="0" smtClean="0"/>
+              <a:t>是不能成功安装的，需要通过</a:t>
+            </a:r>
+            <a:r>
+              <a:rPr lang="en-US" altLang="zh-CN" dirty="0" err="1" smtClean="0"/>
+              <a:t>cnpm</a:t>
+            </a:r>
+            <a:r>
+              <a:rPr lang="zh-CN" altLang="en-US" dirty="0" smtClean="0"/>
+              <a:t>进行安装</a:t>
+            </a:r>
+            <a:endParaRPr lang="en-US" altLang="zh-CN" dirty="0"/>
+          </a:p>
+          <a:p>
+            <a:pPr marL="0" indent="0">
+              <a:buNone/>
+            </a:pPr>
+            <a:endParaRPr lang="en-US" altLang="zh-CN" dirty="0" smtClean="0"/>
+          </a:p>
+          <a:p>
+            <a:r>
+              <a:rPr lang="zh-CN" altLang="en-US" dirty="0" smtClean="0"/>
+              <a:t>安装方式：</a:t>
+            </a:r>
+            <a:endParaRPr lang="en-US" altLang="zh-CN" dirty="0" smtClean="0"/>
+          </a:p>
+          <a:p>
+            <a:pPr marL="0" indent="0">
+              <a:buNone/>
+            </a:pPr>
+            <a:r>
+              <a:rPr lang="en-US" altLang="zh-CN" dirty="0" err="1" smtClean="0"/>
+              <a:t>npm</a:t>
+            </a:r>
+            <a:r>
+              <a:rPr lang="en-US" altLang="zh-CN" dirty="0" smtClean="0"/>
+              <a:t> </a:t>
+            </a:r>
+            <a:r>
+              <a:rPr lang="en-US" altLang="zh-CN" dirty="0"/>
+              <a:t>install -g </a:t>
+            </a:r>
+            <a:r>
+              <a:rPr lang="en-US" altLang="zh-CN" dirty="0" err="1"/>
+              <a:t>cnpm</a:t>
+            </a:r>
+            <a:r>
+              <a:rPr lang="en-US" altLang="zh-CN" dirty="0"/>
+              <a:t> --registry=https://registry.npm.taobao.org</a:t>
+            </a:r>
+            <a:endParaRPr lang="zh-CN" altLang="zh-CN" dirty="0"/>
+          </a:p>
+          <a:p>
+            <a:pPr marL="0" indent="0">
+              <a:buNone/>
+            </a:pPr>
+            <a:r>
+              <a:rPr lang="en-US" altLang="zh-CN" dirty="0" err="1" smtClean="0"/>
+              <a:t>npm</a:t>
+            </a:r>
+            <a:r>
+              <a:rPr lang="en-US" altLang="zh-CN" dirty="0" smtClean="0"/>
+              <a:t> </a:t>
+            </a:r>
+            <a:r>
+              <a:rPr lang="en-US" altLang="zh-CN" dirty="0" err="1"/>
+              <a:t>i</a:t>
+            </a:r>
+            <a:r>
+              <a:rPr lang="en-US" altLang="zh-CN" dirty="0"/>
+              <a:t> </a:t>
+            </a:r>
+            <a:r>
+              <a:rPr lang="en-US" altLang="zh-CN" dirty="0" smtClean="0"/>
+              <a:t>puppeteer --save</a:t>
+            </a:r>
+            <a:endParaRPr lang="zh-CN" altLang="zh-CN" dirty="0"/>
+          </a:p>
+          <a:p>
+            <a:endParaRPr lang="zh-CN" altLang="en-US" dirty="0"/>
+          </a:p>
+        </p:txBody>
+      </p:sp>
+    </p:spTree>
+    <p:extLst>
+      <p:ext uri="{BB962C8B-B14F-4D97-AF65-F5344CB8AC3E}">
+        <p14:creationId xmlns:p14="http://schemas.microsoft.com/office/powerpoint/2010/main" val="1920736459"/>
+      </p:ext>
+    </p:extLst>
+  </p:cSld>
+  <p:clrMapOvr>
+    <a:masterClrMapping/>
+  </p:clrMapOvr>
+</p:sld>
+</file>
+
+<file path=ppt/slides/slide7.xml><?xml version="1.0" encoding="utf-8"?>
+<p:sld xmlns:a="http://schemas.openxmlformats.org/drawingml/2006/main" xmlns:r="http://schemas.openxmlformats.org/officeDocument/2006/relationships" xmlns:p="http://schemas.openxmlformats.org/presentationml/2006/main">
+  <p:cSld>
+    <p:spTree>
+      <p:nvGrpSpPr>
+        <p:cNvPr id="1" name=""/>
+        <p:cNvGrpSpPr/>
+        <p:nvPr/>
+      </p:nvGrpSpPr>
+      <p:grpSpPr>
+        <a:xfrm>
+          <a:off x="0" y="0"/>
+          <a:ext cx="0" cy="0"/>
+          <a:chOff x="0" y="0"/>
+          <a:chExt cx="0" cy="0"/>
+        </a:xfrm>
+      </p:grpSpPr>
+      <p:sp>
+        <p:nvSpPr>
+          <p:cNvPr id="2" name="标题 1"/>
+          <p:cNvSpPr>
+            <a:spLocks noGrp="1"/>
+          </p:cNvSpPr>
+          <p:nvPr>
+            <p:ph type="title"/>
+          </p:nvPr>
+        </p:nvSpPr>
+        <p:spPr/>
+        <p:txBody>
+          <a:bodyPr/>
+          <a:lstStyle/>
+          <a:p>
+            <a:r>
+              <a:rPr lang="en-US" altLang="zh-CN" dirty="0" smtClean="0"/>
+              <a:t>Puppeteer</a:t>
+            </a:r>
+            <a:endParaRPr lang="zh-CN" altLang="en-US" dirty="0"/>
+          </a:p>
+        </p:txBody>
+      </p:sp>
+      <p:sp>
+        <p:nvSpPr>
+          <p:cNvPr id="3" name="内容占位符 2"/>
+          <p:cNvSpPr>
+            <a:spLocks noGrp="1"/>
+          </p:cNvSpPr>
+          <p:nvPr>
+            <p:ph idx="1"/>
+          </p:nvPr>
+        </p:nvSpPr>
+        <p:spPr/>
+        <p:txBody>
+          <a:bodyPr/>
+          <a:lstStyle/>
+          <a:p>
+            <a:pPr marL="0" indent="0">
+              <a:buNone/>
+            </a:pPr>
+            <a:r>
+              <a:rPr lang="en-US" altLang="zh-CN" dirty="0" smtClean="0"/>
               <a:t>Puppeteer API &amp; examples</a:t>
             </a:r>
           </a:p>
@@ -4097,7 +4318,7 @@
 </p:sld>
 </file>
 
-<file path=ppt/slides/slide7.xml><?xml version="1.0" encoding="utf-8"?>
+<file path=ppt/slides/slide8.xml><?xml version="1.0" encoding="utf-8"?>
 <p:sld xmlns:a="http://schemas.openxmlformats.org/drawingml/2006/main" xmlns:r="http://schemas.openxmlformats.org/officeDocument/2006/relationships" xmlns:p="http://schemas.openxmlformats.org/presentationml/2006/main">
   <p:cSld>
     <p:spTree>
@@ -4266,7 +4487,7 @@
 </p:sld>
 </file>
 
-<file path=ppt/slides/slide8.xml><?xml version="1.0" encoding="utf-8"?>
+<file path=ppt/slides/slide9.xml><?xml version="1.0" encoding="utf-8"?>
 <p:sld xmlns:a="http://schemas.openxmlformats.org/drawingml/2006/main" xmlns:r="http://schemas.openxmlformats.org/officeDocument/2006/relationships" xmlns:p="http://schemas.openxmlformats.org/presentationml/2006/main">
   <p:cSld>
     <p:spTree>
@@ -4331,8 +4552,27 @@
             </a:r>
             <a:r>
               <a:rPr lang="zh-CN" altLang="en-US" dirty="0"/>
-              <a:t>是一个语法规则和代码风格的检查工具，可以用来保证写出语法正确、风格统一的代码。</a:t>
-            </a:r>
+              <a:t>是一个语法规则和代码风格的检查工具，可以用来保证写出语法正确、风格统一的代码</a:t>
+            </a:r>
+            <a:r>
+              <a:rPr lang="zh-CN" altLang="en-US" dirty="0" smtClean="0"/>
+              <a:t>。</a:t>
+            </a:r>
+            <a:endParaRPr lang="en-US" altLang="zh-CN" dirty="0" smtClean="0"/>
+          </a:p>
+          <a:p>
+            <a:endParaRPr lang="en-US" altLang="zh-CN" dirty="0"/>
+          </a:p>
+          <a:p>
+            <a:r>
+              <a:rPr lang="en-US" altLang="zh-CN" smtClean="0"/>
+              <a:t>API:  https</a:t>
+            </a:r>
+            <a:r>
+              <a:rPr lang="en-US" altLang="zh-CN" dirty="0"/>
+              <a:t>://cn.eslint.org/docs/rules/</a:t>
+            </a:r>
+            <a:endParaRPr lang="zh-CN" altLang="en-US" dirty="0"/>
           </a:p>
         </p:txBody>
       </p:sp>
@@ -4370,108 +4610,6 @@
     <p:extLst>
       <p:ext uri="{BB962C8B-B14F-4D97-AF65-F5344CB8AC3E}">
         <p14:creationId xmlns:p14="http://schemas.microsoft.com/office/powerpoint/2010/main" val="4144546214"/>
-      </p:ext>
-    </p:extLst>
-  </p:cSld>
-  <p:clrMapOvr>
-    <a:masterClrMapping/>
-  </p:clrMapOvr>
-</p:sld>
-</file>
-
-<file path=ppt/slides/slide9.xml><?xml version="1.0" encoding="utf-8"?>
-<p:sld xmlns:a="http://schemas.openxmlformats.org/drawingml/2006/main" xmlns:r="http://schemas.openxmlformats.org/officeDocument/2006/relationships" xmlns:p="http://schemas.openxmlformats.org/presentationml/2006/main">
-  <p:cSld>
-    <p:spTree>
-      <p:nvGrpSpPr>
-        <p:cNvPr id="1" name=""/>
-        <p:cNvGrpSpPr/>
-        <p:nvPr/>
-      </p:nvGrpSpPr>
-      <p:grpSpPr>
-        <a:xfrm>
-          <a:off x="0" y="0"/>
-          <a:ext cx="0" cy="0"/>
-          <a:chOff x="0" y="0"/>
-          <a:chExt cx="0" cy="0"/>
-        </a:xfrm>
-      </p:grpSpPr>
-      <p:sp>
-        <p:nvSpPr>
-          <p:cNvPr id="2" name="标题 1"/>
-          <p:cNvSpPr>
-            <a:spLocks noGrp="1"/>
-          </p:cNvSpPr>
-          <p:nvPr>
-            <p:ph type="title"/>
-          </p:nvPr>
-        </p:nvSpPr>
-        <p:spPr/>
-        <p:txBody>
-          <a:bodyPr/>
-          <a:lstStyle/>
-          <a:p>
-            <a:r>
-              <a:rPr lang="en-US" altLang="zh-CN" dirty="0" smtClean="0"/>
-              <a:t>prettier</a:t>
-            </a:r>
-            <a:endParaRPr lang="zh-CN" altLang="en-US" dirty="0"/>
-          </a:p>
-        </p:txBody>
-      </p:sp>
-      <p:sp>
-        <p:nvSpPr>
-          <p:cNvPr id="3" name="内容占位符 2"/>
-          <p:cNvSpPr>
-            <a:spLocks noGrp="1"/>
-          </p:cNvSpPr>
-          <p:nvPr>
-            <p:ph idx="1"/>
-          </p:nvPr>
-        </p:nvSpPr>
-        <p:spPr/>
-        <p:txBody>
-          <a:bodyPr/>
-          <a:lstStyle/>
-          <a:p>
-            <a:endParaRPr lang="zh-CN" altLang="en-US" dirty="0"/>
-          </a:p>
-        </p:txBody>
-      </p:sp>
-      <p:pic>
-        <p:nvPicPr>
-          <p:cNvPr id="4" name="内容占位符 3"/>
-          <p:cNvPicPr>
-            <a:picLocks noChangeAspect="1"/>
-          </p:cNvPicPr>
-          <p:nvPr/>
-        </p:nvPicPr>
-        <p:blipFill>
-          <a:blip r:embed="rId2" cstate="print">
-            <a:extLst>
-              <a:ext uri="{28A0092B-C50C-407E-A947-70E740481C1C}">
-                <a14:useLocalDpi xmlns:a14="http://schemas.microsoft.com/office/drawing/2010/main" val="0"/>
-              </a:ext>
-            </a:extLst>
-          </a:blip>
-          <a:stretch>
-            <a:fillRect/>
-          </a:stretch>
-        </p:blipFill>
-        <p:spPr>
-          <a:xfrm>
-            <a:off x="8554915" y="365125"/>
-            <a:ext cx="2648390" cy="1103496"/>
-          </a:xfrm>
-          <a:prstGeom prst="rect">
-            <a:avLst/>
-          </a:prstGeom>
-        </p:spPr>
-      </p:pic>
-    </p:spTree>
-    <p:extLst>
-      <p:ext uri="{BB962C8B-B14F-4D97-AF65-F5344CB8AC3E}">
-        <p14:creationId xmlns:p14="http://schemas.microsoft.com/office/powerpoint/2010/main" val="2168828826"/>
       </p:ext>
     </p:extLst>
   </p:cSld>
